--- a/doc/diagramas/tecnologias/Conceitual.pptx
+++ b/doc/diagramas/tecnologias/Conceitual.pptx
@@ -154,10 +154,9 @@
           </a:lstStyle>
           <a:p>
             <a:r>
-              <a:rPr lang="pt-BR" smtClean="0"/>
+              <a:rPr lang="pt-BR"/>
               <a:t>Clique para editar o título mestre</a:t>
             </a:r>
-            <a:endParaRPr lang="pt-BR"/>
           </a:p>
         </p:txBody>
       </p:sp>
@@ -219,10 +218,9 @@
           </a:lstStyle>
           <a:p>
             <a:r>
-              <a:rPr lang="pt-BR" smtClean="0"/>
+              <a:rPr lang="pt-BR"/>
               <a:t>Clique para editar o estilo do subtítulo mestre</a:t>
             </a:r>
-            <a:endParaRPr lang="pt-BR"/>
           </a:p>
         </p:txBody>
       </p:sp>
@@ -243,7 +241,7 @@
           <a:p>
             <a:fld id="{4E198183-1849-47C3-B91A-B1E2FC32FD0B}" type="datetimeFigureOut">
               <a:rPr lang="pt-BR" smtClean="0"/>
-              <a:t>29/03/2019</a:t>
+              <a:t>30/03/2019</a:t>
             </a:fld>
             <a:endParaRPr lang="pt-BR"/>
           </a:p>
@@ -337,10 +335,9 @@
           <a:lstStyle/>
           <a:p>
             <a:r>
-              <a:rPr lang="pt-BR" smtClean="0"/>
+              <a:rPr lang="pt-BR"/>
               <a:t>Clique para editar o título mestre</a:t>
             </a:r>
-            <a:endParaRPr lang="pt-BR"/>
           </a:p>
         </p:txBody>
       </p:sp>
@@ -361,38 +358,37 @@
           <a:p>
             <a:pPr lvl="0"/>
             <a:r>
-              <a:rPr lang="pt-BR" smtClean="0"/>
+              <a:rPr lang="pt-BR"/>
               <a:t>Clique para editar o texto mestre</a:t>
             </a:r>
           </a:p>
           <a:p>
             <a:pPr lvl="1"/>
             <a:r>
-              <a:rPr lang="pt-BR" smtClean="0"/>
+              <a:rPr lang="pt-BR"/>
               <a:t>Segundo nível</a:t>
             </a:r>
           </a:p>
           <a:p>
             <a:pPr lvl="2"/>
             <a:r>
-              <a:rPr lang="pt-BR" smtClean="0"/>
+              <a:rPr lang="pt-BR"/>
               <a:t>Terceiro nível</a:t>
             </a:r>
           </a:p>
           <a:p>
             <a:pPr lvl="3"/>
             <a:r>
-              <a:rPr lang="pt-BR" smtClean="0"/>
+              <a:rPr lang="pt-BR"/>
               <a:t>Quarto nível</a:t>
             </a:r>
           </a:p>
           <a:p>
             <a:pPr lvl="4"/>
             <a:r>
-              <a:rPr lang="pt-BR" smtClean="0"/>
+              <a:rPr lang="pt-BR"/>
               <a:t>Quinto nível</a:t>
             </a:r>
-            <a:endParaRPr lang="pt-BR"/>
           </a:p>
         </p:txBody>
       </p:sp>
@@ -413,7 +409,7 @@
           <a:p>
             <a:fld id="{4E198183-1849-47C3-B91A-B1E2FC32FD0B}" type="datetimeFigureOut">
               <a:rPr lang="pt-BR" smtClean="0"/>
-              <a:t>29/03/2019</a:t>
+              <a:t>30/03/2019</a:t>
             </a:fld>
             <a:endParaRPr lang="pt-BR"/>
           </a:p>
@@ -512,10 +508,9 @@
           <a:lstStyle/>
           <a:p>
             <a:r>
-              <a:rPr lang="pt-BR" smtClean="0"/>
+              <a:rPr lang="pt-BR"/>
               <a:t>Clique para editar o título mestre</a:t>
             </a:r>
-            <a:endParaRPr lang="pt-BR"/>
           </a:p>
         </p:txBody>
       </p:sp>
@@ -541,38 +536,37 @@
           <a:p>
             <a:pPr lvl="0"/>
             <a:r>
-              <a:rPr lang="pt-BR" smtClean="0"/>
+              <a:rPr lang="pt-BR"/>
               <a:t>Clique para editar o texto mestre</a:t>
             </a:r>
           </a:p>
           <a:p>
             <a:pPr lvl="1"/>
             <a:r>
-              <a:rPr lang="pt-BR" smtClean="0"/>
+              <a:rPr lang="pt-BR"/>
               <a:t>Segundo nível</a:t>
             </a:r>
           </a:p>
           <a:p>
             <a:pPr lvl="2"/>
             <a:r>
-              <a:rPr lang="pt-BR" smtClean="0"/>
+              <a:rPr lang="pt-BR"/>
               <a:t>Terceiro nível</a:t>
             </a:r>
           </a:p>
           <a:p>
             <a:pPr lvl="3"/>
             <a:r>
-              <a:rPr lang="pt-BR" smtClean="0"/>
+              <a:rPr lang="pt-BR"/>
               <a:t>Quarto nível</a:t>
             </a:r>
           </a:p>
           <a:p>
             <a:pPr lvl="4"/>
             <a:r>
-              <a:rPr lang="pt-BR" smtClean="0"/>
+              <a:rPr lang="pt-BR"/>
               <a:t>Quinto nível</a:t>
             </a:r>
-            <a:endParaRPr lang="pt-BR"/>
           </a:p>
         </p:txBody>
       </p:sp>
@@ -593,7 +587,7 @@
           <a:p>
             <a:fld id="{4E198183-1849-47C3-B91A-B1E2FC32FD0B}" type="datetimeFigureOut">
               <a:rPr lang="pt-BR" smtClean="0"/>
-              <a:t>29/03/2019</a:t>
+              <a:t>30/03/2019</a:t>
             </a:fld>
             <a:endParaRPr lang="pt-BR"/>
           </a:p>
@@ -687,10 +681,9 @@
           <a:lstStyle/>
           <a:p>
             <a:r>
-              <a:rPr lang="pt-BR" smtClean="0"/>
+              <a:rPr lang="pt-BR"/>
               <a:t>Clique para editar o título mestre</a:t>
             </a:r>
-            <a:endParaRPr lang="pt-BR"/>
           </a:p>
         </p:txBody>
       </p:sp>
@@ -711,38 +704,37 @@
           <a:p>
             <a:pPr lvl="0"/>
             <a:r>
-              <a:rPr lang="pt-BR" smtClean="0"/>
+              <a:rPr lang="pt-BR"/>
               <a:t>Clique para editar o texto mestre</a:t>
             </a:r>
           </a:p>
           <a:p>
             <a:pPr lvl="1"/>
             <a:r>
-              <a:rPr lang="pt-BR" smtClean="0"/>
+              <a:rPr lang="pt-BR"/>
               <a:t>Segundo nível</a:t>
             </a:r>
           </a:p>
           <a:p>
             <a:pPr lvl="2"/>
             <a:r>
-              <a:rPr lang="pt-BR" smtClean="0"/>
+              <a:rPr lang="pt-BR"/>
               <a:t>Terceiro nível</a:t>
             </a:r>
           </a:p>
           <a:p>
             <a:pPr lvl="3"/>
             <a:r>
-              <a:rPr lang="pt-BR" smtClean="0"/>
+              <a:rPr lang="pt-BR"/>
               <a:t>Quarto nível</a:t>
             </a:r>
           </a:p>
           <a:p>
             <a:pPr lvl="4"/>
             <a:r>
-              <a:rPr lang="pt-BR" smtClean="0"/>
+              <a:rPr lang="pt-BR"/>
               <a:t>Quinto nível</a:t>
             </a:r>
-            <a:endParaRPr lang="pt-BR"/>
           </a:p>
         </p:txBody>
       </p:sp>
@@ -763,7 +755,7 @@
           <a:p>
             <a:fld id="{4E198183-1849-47C3-B91A-B1E2FC32FD0B}" type="datetimeFigureOut">
               <a:rPr lang="pt-BR" smtClean="0"/>
-              <a:t>29/03/2019</a:t>
+              <a:t>30/03/2019</a:t>
             </a:fld>
             <a:endParaRPr lang="pt-BR"/>
           </a:p>
@@ -866,10 +858,9 @@
           </a:lstStyle>
           <a:p>
             <a:r>
-              <a:rPr lang="pt-BR" smtClean="0"/>
+              <a:rPr lang="pt-BR"/>
               <a:t>Clique para editar o título mestre</a:t>
             </a:r>
-            <a:endParaRPr lang="pt-BR"/>
           </a:p>
         </p:txBody>
       </p:sp>
@@ -986,7 +977,7 @@
           <a:p>
             <a:pPr lvl="0"/>
             <a:r>
-              <a:rPr lang="pt-BR" smtClean="0"/>
+              <a:rPr lang="pt-BR"/>
               <a:t>Clique para editar o texto mestre</a:t>
             </a:r>
           </a:p>
@@ -1009,7 +1000,7 @@
           <a:p>
             <a:fld id="{4E198183-1849-47C3-B91A-B1E2FC32FD0B}" type="datetimeFigureOut">
               <a:rPr lang="pt-BR" smtClean="0"/>
-              <a:t>29/03/2019</a:t>
+              <a:t>30/03/2019</a:t>
             </a:fld>
             <a:endParaRPr lang="pt-BR"/>
           </a:p>
@@ -1103,10 +1094,9 @@
           <a:lstStyle/>
           <a:p>
             <a:r>
-              <a:rPr lang="pt-BR" smtClean="0"/>
+              <a:rPr lang="pt-BR"/>
               <a:t>Clique para editar o título mestre</a:t>
             </a:r>
-            <a:endParaRPr lang="pt-BR"/>
           </a:p>
         </p:txBody>
       </p:sp>
@@ -1132,38 +1122,37 @@
           <a:p>
             <a:pPr lvl="0"/>
             <a:r>
-              <a:rPr lang="pt-BR" smtClean="0"/>
+              <a:rPr lang="pt-BR"/>
               <a:t>Clique para editar o texto mestre</a:t>
             </a:r>
           </a:p>
           <a:p>
             <a:pPr lvl="1"/>
             <a:r>
-              <a:rPr lang="pt-BR" smtClean="0"/>
+              <a:rPr lang="pt-BR"/>
               <a:t>Segundo nível</a:t>
             </a:r>
           </a:p>
           <a:p>
             <a:pPr lvl="2"/>
             <a:r>
-              <a:rPr lang="pt-BR" smtClean="0"/>
+              <a:rPr lang="pt-BR"/>
               <a:t>Terceiro nível</a:t>
             </a:r>
           </a:p>
           <a:p>
             <a:pPr lvl="3"/>
             <a:r>
-              <a:rPr lang="pt-BR" smtClean="0"/>
+              <a:rPr lang="pt-BR"/>
               <a:t>Quarto nível</a:t>
             </a:r>
           </a:p>
           <a:p>
             <a:pPr lvl="4"/>
             <a:r>
-              <a:rPr lang="pt-BR" smtClean="0"/>
+              <a:rPr lang="pt-BR"/>
               <a:t>Quinto nível</a:t>
             </a:r>
-            <a:endParaRPr lang="pt-BR"/>
           </a:p>
         </p:txBody>
       </p:sp>
@@ -1189,38 +1178,37 @@
           <a:p>
             <a:pPr lvl="0"/>
             <a:r>
-              <a:rPr lang="pt-BR" smtClean="0"/>
+              <a:rPr lang="pt-BR"/>
               <a:t>Clique para editar o texto mestre</a:t>
             </a:r>
           </a:p>
           <a:p>
             <a:pPr lvl="1"/>
             <a:r>
-              <a:rPr lang="pt-BR" smtClean="0"/>
+              <a:rPr lang="pt-BR"/>
               <a:t>Segundo nível</a:t>
             </a:r>
           </a:p>
           <a:p>
             <a:pPr lvl="2"/>
             <a:r>
-              <a:rPr lang="pt-BR" smtClean="0"/>
+              <a:rPr lang="pt-BR"/>
               <a:t>Terceiro nível</a:t>
             </a:r>
           </a:p>
           <a:p>
             <a:pPr lvl="3"/>
             <a:r>
-              <a:rPr lang="pt-BR" smtClean="0"/>
+              <a:rPr lang="pt-BR"/>
               <a:t>Quarto nível</a:t>
             </a:r>
           </a:p>
           <a:p>
             <a:pPr lvl="4"/>
             <a:r>
-              <a:rPr lang="pt-BR" smtClean="0"/>
+              <a:rPr lang="pt-BR"/>
               <a:t>Quinto nível</a:t>
             </a:r>
-            <a:endParaRPr lang="pt-BR"/>
           </a:p>
         </p:txBody>
       </p:sp>
@@ -1241,7 +1229,7 @@
           <a:p>
             <a:fld id="{4E198183-1849-47C3-B91A-B1E2FC32FD0B}" type="datetimeFigureOut">
               <a:rPr lang="pt-BR" smtClean="0"/>
-              <a:t>29/03/2019</a:t>
+              <a:t>30/03/2019</a:t>
             </a:fld>
             <a:endParaRPr lang="pt-BR"/>
           </a:p>
@@ -1340,10 +1328,9 @@
           <a:lstStyle/>
           <a:p>
             <a:r>
-              <a:rPr lang="pt-BR" smtClean="0"/>
+              <a:rPr lang="pt-BR"/>
               <a:t>Clique para editar o título mestre</a:t>
             </a:r>
-            <a:endParaRPr lang="pt-BR"/>
           </a:p>
         </p:txBody>
       </p:sp>
@@ -1406,7 +1393,7 @@
           <a:p>
             <a:pPr lvl="0"/>
             <a:r>
-              <a:rPr lang="pt-BR" smtClean="0"/>
+              <a:rPr lang="pt-BR"/>
               <a:t>Clique para editar o texto mestre</a:t>
             </a:r>
           </a:p>
@@ -1434,38 +1421,37 @@
           <a:p>
             <a:pPr lvl="0"/>
             <a:r>
-              <a:rPr lang="pt-BR" smtClean="0"/>
+              <a:rPr lang="pt-BR"/>
               <a:t>Clique para editar o texto mestre</a:t>
             </a:r>
           </a:p>
           <a:p>
             <a:pPr lvl="1"/>
             <a:r>
-              <a:rPr lang="pt-BR" smtClean="0"/>
+              <a:rPr lang="pt-BR"/>
               <a:t>Segundo nível</a:t>
             </a:r>
           </a:p>
           <a:p>
             <a:pPr lvl="2"/>
             <a:r>
-              <a:rPr lang="pt-BR" smtClean="0"/>
+              <a:rPr lang="pt-BR"/>
               <a:t>Terceiro nível</a:t>
             </a:r>
           </a:p>
           <a:p>
             <a:pPr lvl="3"/>
             <a:r>
-              <a:rPr lang="pt-BR" smtClean="0"/>
+              <a:rPr lang="pt-BR"/>
               <a:t>Quarto nível</a:t>
             </a:r>
           </a:p>
           <a:p>
             <a:pPr lvl="4"/>
             <a:r>
-              <a:rPr lang="pt-BR" smtClean="0"/>
+              <a:rPr lang="pt-BR"/>
               <a:t>Quinto nível</a:t>
             </a:r>
-            <a:endParaRPr lang="pt-BR"/>
           </a:p>
         </p:txBody>
       </p:sp>
@@ -1528,7 +1514,7 @@
           <a:p>
             <a:pPr lvl="0"/>
             <a:r>
-              <a:rPr lang="pt-BR" smtClean="0"/>
+              <a:rPr lang="pt-BR"/>
               <a:t>Clique para editar o texto mestre</a:t>
             </a:r>
           </a:p>
@@ -1556,38 +1542,37 @@
           <a:p>
             <a:pPr lvl="0"/>
             <a:r>
-              <a:rPr lang="pt-BR" smtClean="0"/>
+              <a:rPr lang="pt-BR"/>
               <a:t>Clique para editar o texto mestre</a:t>
             </a:r>
           </a:p>
           <a:p>
             <a:pPr lvl="1"/>
             <a:r>
-              <a:rPr lang="pt-BR" smtClean="0"/>
+              <a:rPr lang="pt-BR"/>
               <a:t>Segundo nível</a:t>
             </a:r>
           </a:p>
           <a:p>
             <a:pPr lvl="2"/>
             <a:r>
-              <a:rPr lang="pt-BR" smtClean="0"/>
+              <a:rPr lang="pt-BR"/>
               <a:t>Terceiro nível</a:t>
             </a:r>
           </a:p>
           <a:p>
             <a:pPr lvl="3"/>
             <a:r>
-              <a:rPr lang="pt-BR" smtClean="0"/>
+              <a:rPr lang="pt-BR"/>
               <a:t>Quarto nível</a:t>
             </a:r>
           </a:p>
           <a:p>
             <a:pPr lvl="4"/>
             <a:r>
-              <a:rPr lang="pt-BR" smtClean="0"/>
+              <a:rPr lang="pt-BR"/>
               <a:t>Quinto nível</a:t>
             </a:r>
-            <a:endParaRPr lang="pt-BR"/>
           </a:p>
         </p:txBody>
       </p:sp>
@@ -1608,7 +1593,7 @@
           <a:p>
             <a:fld id="{4E198183-1849-47C3-B91A-B1E2FC32FD0B}" type="datetimeFigureOut">
               <a:rPr lang="pt-BR" smtClean="0"/>
-              <a:t>29/03/2019</a:t>
+              <a:t>30/03/2019</a:t>
             </a:fld>
             <a:endParaRPr lang="pt-BR"/>
           </a:p>
@@ -1702,10 +1687,9 @@
           <a:lstStyle/>
           <a:p>
             <a:r>
-              <a:rPr lang="pt-BR" smtClean="0"/>
+              <a:rPr lang="pt-BR"/>
               <a:t>Clique para editar o título mestre</a:t>
             </a:r>
-            <a:endParaRPr lang="pt-BR"/>
           </a:p>
         </p:txBody>
       </p:sp>
@@ -1726,7 +1710,7 @@
           <a:p>
             <a:fld id="{4E198183-1849-47C3-B91A-B1E2FC32FD0B}" type="datetimeFigureOut">
               <a:rPr lang="pt-BR" smtClean="0"/>
-              <a:t>29/03/2019</a:t>
+              <a:t>30/03/2019</a:t>
             </a:fld>
             <a:endParaRPr lang="pt-BR"/>
           </a:p>
@@ -1821,7 +1805,7 @@
           <a:p>
             <a:fld id="{4E198183-1849-47C3-B91A-B1E2FC32FD0B}" type="datetimeFigureOut">
               <a:rPr lang="pt-BR" smtClean="0"/>
-              <a:t>29/03/2019</a:t>
+              <a:t>30/03/2019</a:t>
             </a:fld>
             <a:endParaRPr lang="pt-BR"/>
           </a:p>
@@ -1924,10 +1908,9 @@
           </a:lstStyle>
           <a:p>
             <a:r>
-              <a:rPr lang="pt-BR" smtClean="0"/>
+              <a:rPr lang="pt-BR"/>
               <a:t>Clique para editar o título mestre</a:t>
             </a:r>
-            <a:endParaRPr lang="pt-BR"/>
           </a:p>
         </p:txBody>
       </p:sp>
@@ -1981,38 +1964,37 @@
           <a:p>
             <a:pPr lvl="0"/>
             <a:r>
-              <a:rPr lang="pt-BR" smtClean="0"/>
+              <a:rPr lang="pt-BR"/>
               <a:t>Clique para editar o texto mestre</a:t>
             </a:r>
           </a:p>
           <a:p>
             <a:pPr lvl="1"/>
             <a:r>
-              <a:rPr lang="pt-BR" smtClean="0"/>
+              <a:rPr lang="pt-BR"/>
               <a:t>Segundo nível</a:t>
             </a:r>
           </a:p>
           <a:p>
             <a:pPr lvl="2"/>
             <a:r>
-              <a:rPr lang="pt-BR" smtClean="0"/>
+              <a:rPr lang="pt-BR"/>
               <a:t>Terceiro nível</a:t>
             </a:r>
           </a:p>
           <a:p>
             <a:pPr lvl="3"/>
             <a:r>
-              <a:rPr lang="pt-BR" smtClean="0"/>
+              <a:rPr lang="pt-BR"/>
               <a:t>Quarto nível</a:t>
             </a:r>
           </a:p>
           <a:p>
             <a:pPr lvl="4"/>
             <a:r>
-              <a:rPr lang="pt-BR" smtClean="0"/>
+              <a:rPr lang="pt-BR"/>
               <a:t>Quinto nível</a:t>
             </a:r>
-            <a:endParaRPr lang="pt-BR"/>
           </a:p>
         </p:txBody>
       </p:sp>
@@ -2075,7 +2057,7 @@
           <a:p>
             <a:pPr lvl="0"/>
             <a:r>
-              <a:rPr lang="pt-BR" smtClean="0"/>
+              <a:rPr lang="pt-BR"/>
               <a:t>Clique para editar o texto mestre</a:t>
             </a:r>
           </a:p>
@@ -2098,7 +2080,7 @@
           <a:p>
             <a:fld id="{4E198183-1849-47C3-B91A-B1E2FC32FD0B}" type="datetimeFigureOut">
               <a:rPr lang="pt-BR" smtClean="0"/>
-              <a:t>29/03/2019</a:t>
+              <a:t>30/03/2019</a:t>
             </a:fld>
             <a:endParaRPr lang="pt-BR"/>
           </a:p>
@@ -2201,10 +2183,9 @@
           </a:lstStyle>
           <a:p>
             <a:r>
-              <a:rPr lang="pt-BR" smtClean="0"/>
+              <a:rPr lang="pt-BR"/>
               <a:t>Clique para editar o título mestre</a:t>
             </a:r>
-            <a:endParaRPr lang="pt-BR"/>
           </a:p>
         </p:txBody>
       </p:sp>
@@ -2328,7 +2309,7 @@
           <a:p>
             <a:pPr lvl="0"/>
             <a:r>
-              <a:rPr lang="pt-BR" smtClean="0"/>
+              <a:rPr lang="pt-BR"/>
               <a:t>Clique para editar o texto mestre</a:t>
             </a:r>
           </a:p>
@@ -2351,7 +2332,7 @@
           <a:p>
             <a:fld id="{4E198183-1849-47C3-B91A-B1E2FC32FD0B}" type="datetimeFigureOut">
               <a:rPr lang="pt-BR" smtClean="0"/>
-              <a:t>29/03/2019</a:t>
+              <a:t>30/03/2019</a:t>
             </a:fld>
             <a:endParaRPr lang="pt-BR"/>
           </a:p>
@@ -2460,10 +2441,9 @@
           <a:lstStyle/>
           <a:p>
             <a:r>
-              <a:rPr lang="pt-BR" smtClean="0"/>
+              <a:rPr lang="pt-BR"/>
               <a:t>Clique para editar o título mestre</a:t>
             </a:r>
-            <a:endParaRPr lang="pt-BR"/>
           </a:p>
         </p:txBody>
       </p:sp>
@@ -2494,38 +2474,37 @@
           <a:p>
             <a:pPr lvl="0"/>
             <a:r>
-              <a:rPr lang="pt-BR" smtClean="0"/>
+              <a:rPr lang="pt-BR"/>
               <a:t>Clique para editar o texto mestre</a:t>
             </a:r>
           </a:p>
           <a:p>
             <a:pPr lvl="1"/>
             <a:r>
-              <a:rPr lang="pt-BR" smtClean="0"/>
+              <a:rPr lang="pt-BR"/>
               <a:t>Segundo nível</a:t>
             </a:r>
           </a:p>
           <a:p>
             <a:pPr lvl="2"/>
             <a:r>
-              <a:rPr lang="pt-BR" smtClean="0"/>
+              <a:rPr lang="pt-BR"/>
               <a:t>Terceiro nível</a:t>
             </a:r>
           </a:p>
           <a:p>
             <a:pPr lvl="3"/>
             <a:r>
-              <a:rPr lang="pt-BR" smtClean="0"/>
+              <a:rPr lang="pt-BR"/>
               <a:t>Quarto nível</a:t>
             </a:r>
           </a:p>
           <a:p>
             <a:pPr lvl="4"/>
             <a:r>
-              <a:rPr lang="pt-BR" smtClean="0"/>
+              <a:rPr lang="pt-BR"/>
               <a:t>Quinto nível</a:t>
             </a:r>
-            <a:endParaRPr lang="pt-BR"/>
           </a:p>
         </p:txBody>
       </p:sp>
@@ -2564,7 +2543,7 @@
           <a:p>
             <a:fld id="{4E198183-1849-47C3-B91A-B1E2FC32FD0B}" type="datetimeFigureOut">
               <a:rPr lang="pt-BR" smtClean="0"/>
-              <a:t>29/03/2019</a:t>
+              <a:t>30/03/2019</a:t>
             </a:fld>
             <a:endParaRPr lang="pt-BR"/>
           </a:p>
@@ -3006,10 +2985,9 @@
           <a:p>
             <a:pPr algn="ctr"/>
             <a:r>
-              <a:rPr lang="pt-BR" dirty="0" smtClean="0"/>
+              <a:rPr lang="pt-BR" dirty="0"/>
               <a:t>DJI Inspire 1</a:t>
             </a:r>
-            <a:endParaRPr lang="pt-BR" dirty="0"/>
           </a:p>
         </p:txBody>
       </p:sp>
@@ -3050,17 +3028,16 @@
           <a:p>
             <a:pPr algn="ctr"/>
             <a:r>
-              <a:rPr lang="pt-BR" dirty="0" smtClean="0"/>
+              <a:rPr lang="pt-BR" dirty="0"/>
               <a:t>GL658A</a:t>
             </a:r>
           </a:p>
           <a:p>
             <a:pPr algn="ctr"/>
             <a:r>
-              <a:rPr lang="pt-BR" dirty="0" smtClean="0"/>
+              <a:rPr lang="pt-BR" dirty="0"/>
               <a:t>RC</a:t>
             </a:r>
-            <a:endParaRPr lang="pt-BR" dirty="0"/>
           </a:p>
         </p:txBody>
       </p:sp>
@@ -3101,14 +3078,13 @@
           <a:p>
             <a:pPr algn="ctr"/>
             <a:r>
-              <a:rPr lang="pt-BR" dirty="0" err="1" smtClean="0"/>
+              <a:rPr lang="pt-BR" dirty="0" err="1"/>
               <a:t>Android</a:t>
             </a:r>
             <a:r>
-              <a:rPr lang="pt-BR" dirty="0" smtClean="0"/>
+              <a:rPr lang="pt-BR" dirty="0"/>
               <a:t> Phone</a:t>
             </a:r>
-            <a:endParaRPr lang="pt-BR" dirty="0"/>
           </a:p>
         </p:txBody>
       </p:sp>
@@ -3149,10 +3125,9 @@
           <a:p>
             <a:pPr algn="ctr"/>
             <a:r>
-              <a:rPr lang="pt-BR" dirty="0" smtClean="0"/>
+              <a:rPr lang="pt-BR" dirty="0"/>
               <a:t>ESTAÇÃO DE COMANDO</a:t>
             </a:r>
-            <a:endParaRPr lang="pt-BR" dirty="0"/>
           </a:p>
         </p:txBody>
       </p:sp>
@@ -3183,7 +3158,7 @@
               <a:buChar char="•"/>
             </a:pPr>
             <a:r>
-              <a:rPr lang="pt-BR" dirty="0" smtClean="0"/>
+              <a:rPr lang="pt-BR" dirty="0"/>
               <a:t>Controlador de voo</a:t>
             </a:r>
           </a:p>
@@ -3193,7 +3168,7 @@
               <a:buChar char="•"/>
             </a:pPr>
             <a:r>
-              <a:rPr lang="pt-BR" dirty="0" smtClean="0"/>
+              <a:rPr lang="pt-BR" dirty="0"/>
               <a:t>Controlador de execução de trajetória</a:t>
             </a:r>
           </a:p>
@@ -3203,12 +3178,8 @@
               <a:buChar char="•"/>
             </a:pPr>
             <a:r>
-              <a:rPr lang="pt-BR" dirty="0" smtClean="0"/>
-              <a:t>IMU e </a:t>
-            </a:r>
-            <a:r>
-              <a:rPr lang="pt-BR" dirty="0" smtClean="0"/>
-              <a:t>GPS</a:t>
+              <a:rPr lang="pt-BR" dirty="0"/>
+              <a:t>IMU e GPS</a:t>
             </a:r>
           </a:p>
           <a:p>
@@ -3217,10 +3188,10 @@
               <a:buChar char="•"/>
             </a:pPr>
             <a:r>
-              <a:rPr lang="pt-BR" dirty="0" err="1" smtClean="0"/>
+              <a:rPr lang="pt-BR" dirty="0" err="1"/>
               <a:t>Gimbal</a:t>
             </a:r>
-            <a:endParaRPr lang="pt-BR" dirty="0" smtClean="0"/>
+            <a:endParaRPr lang="pt-BR" dirty="0"/>
           </a:p>
         </p:txBody>
       </p:sp>
@@ -3524,12 +3495,12 @@
               <a:buChar char="•"/>
             </a:pPr>
             <a:r>
-              <a:rPr lang="pt-BR" dirty="0" smtClean="0"/>
+              <a:rPr lang="pt-BR" dirty="0"/>
               <a:t>DJI </a:t>
             </a:r>
             <a:r>
-              <a:rPr lang="pt-BR" dirty="0" err="1" smtClean="0"/>
-              <a:t>LighBridge</a:t>
+              <a:rPr lang="pt-BR" dirty="0" err="1"/>
+              <a:t>LigthBridge</a:t>
             </a:r>
             <a:endParaRPr lang="pt-BR" dirty="0"/>
           </a:p>
@@ -3600,7 +3571,7 @@
               <a:buChar char="•"/>
             </a:pPr>
             <a:r>
-              <a:rPr lang="pt-BR" dirty="0" smtClean="0"/>
+              <a:rPr lang="pt-BR" dirty="0"/>
               <a:t>Controle Manual</a:t>
             </a:r>
           </a:p>
@@ -3610,10 +3581,10 @@
               <a:buChar char="•"/>
             </a:pPr>
             <a:r>
-              <a:rPr lang="pt-BR" dirty="0" err="1" smtClean="0"/>
+              <a:rPr lang="pt-BR" dirty="0" err="1"/>
               <a:t>Takeoff</a:t>
             </a:r>
-            <a:endParaRPr lang="pt-BR" dirty="0" smtClean="0"/>
+            <a:endParaRPr lang="pt-BR" dirty="0"/>
           </a:p>
           <a:p>
             <a:pPr marL="285750" indent="-285750">
@@ -3621,7 +3592,7 @@
               <a:buChar char="•"/>
             </a:pPr>
             <a:r>
-              <a:rPr lang="pt-BR" dirty="0" err="1" smtClean="0"/>
+              <a:rPr lang="pt-BR" dirty="0" err="1"/>
               <a:t>Landing</a:t>
             </a:r>
             <a:endParaRPr lang="pt-BR" dirty="0"/>
@@ -3767,7 +3738,7 @@
               <a:buChar char="•"/>
             </a:pPr>
             <a:r>
-              <a:rPr lang="pt-BR" dirty="0" smtClean="0"/>
+              <a:rPr lang="pt-BR" dirty="0"/>
               <a:t>Escreve posição e orientação</a:t>
             </a:r>
           </a:p>
@@ -3777,7 +3748,7 @@
               <a:buChar char="•"/>
             </a:pPr>
             <a:r>
-              <a:rPr lang="pt-BR" dirty="0" smtClean="0"/>
+              <a:rPr lang="pt-BR" dirty="0"/>
               <a:t>Recebe orientação e posição</a:t>
             </a:r>
           </a:p>
@@ -3787,12 +3758,8 @@
               <a:buChar char="•"/>
             </a:pPr>
             <a:r>
-              <a:rPr lang="pt-BR" dirty="0" smtClean="0"/>
-              <a:t>Simulador de controlador de </a:t>
-            </a:r>
-            <a:r>
-              <a:rPr lang="pt-BR" dirty="0" smtClean="0"/>
-              <a:t>voo</a:t>
+              <a:rPr lang="pt-BR" dirty="0"/>
+              <a:t>Simulador de controlador de voo</a:t>
             </a:r>
           </a:p>
           <a:p>
@@ -3801,7 +3768,7 @@
               <a:buChar char="•"/>
             </a:pPr>
             <a:r>
-              <a:rPr lang="pt-BR" dirty="0" smtClean="0"/>
+              <a:rPr lang="pt-BR" dirty="0"/>
               <a:t>DJI mobile SDK</a:t>
             </a:r>
           </a:p>
@@ -3810,10 +3777,10 @@
               <a:buFont typeface="Arial" panose="020B0604020202020204" pitchFamily="34" charset="0"/>
               <a:buChar char="•"/>
             </a:pPr>
-            <a:endParaRPr lang="pt-BR" dirty="0" smtClean="0"/>
-          </a:p>
-          <a:p>
-            <a:endParaRPr lang="pt-BR" dirty="0" smtClean="0"/>
+            <a:endParaRPr lang="pt-BR" dirty="0"/>
+          </a:p>
+          <a:p>
+            <a:endParaRPr lang="pt-BR" dirty="0"/>
           </a:p>
           <a:p>
             <a:pPr marL="285750" indent="-285750">
@@ -3925,7 +3892,7 @@
               <a:buChar char="•"/>
             </a:pPr>
             <a:r>
-              <a:rPr lang="pt-BR" dirty="0" smtClean="0"/>
+              <a:rPr lang="pt-BR" dirty="0"/>
               <a:t>GAZEBO</a:t>
             </a:r>
           </a:p>
@@ -3938,7 +3905,6 @@
               <a:rPr lang="pt-BR" dirty="0"/>
               <a:t>Simulação</a:t>
             </a:r>
-            <a:endParaRPr lang="pt-BR" dirty="0" smtClean="0"/>
           </a:p>
           <a:p>
             <a:pPr marL="742950" lvl="1" indent="-285750">
@@ -3946,10 +3912,9 @@
               <a:buChar char="•"/>
             </a:pPr>
             <a:r>
-              <a:rPr lang="pt-BR" dirty="0" smtClean="0"/>
+              <a:rPr lang="pt-BR" dirty="0"/>
               <a:t>Visão 3D</a:t>
             </a:r>
-            <a:endParaRPr lang="pt-BR" dirty="0" smtClean="0"/>
           </a:p>
           <a:p>
             <a:pPr marL="285750" indent="-285750">
@@ -3957,7 +3922,7 @@
               <a:buChar char="•"/>
             </a:pPr>
             <a:r>
-              <a:rPr lang="pt-BR" dirty="0" smtClean="0"/>
+              <a:rPr lang="pt-BR" dirty="0"/>
               <a:t>ROS</a:t>
             </a:r>
           </a:p>
@@ -3967,10 +3932,10 @@
               <a:buChar char="•"/>
             </a:pPr>
             <a:r>
-              <a:rPr lang="pt-BR" dirty="0" err="1" smtClean="0"/>
+              <a:rPr lang="pt-BR" dirty="0" err="1"/>
               <a:t>Moveit</a:t>
             </a:r>
-            <a:endParaRPr lang="pt-BR" dirty="0" smtClean="0"/>
+            <a:endParaRPr lang="pt-BR" dirty="0"/>
           </a:p>
           <a:p>
             <a:pPr marL="742950" lvl="1" indent="-285750">
@@ -3978,7 +3943,7 @@
               <a:buChar char="•"/>
             </a:pPr>
             <a:r>
-              <a:rPr lang="pt-BR" dirty="0" smtClean="0"/>
+              <a:rPr lang="pt-BR" dirty="0"/>
               <a:t>Coleta de pontos</a:t>
             </a:r>
           </a:p>
@@ -3989,13 +3954,8 @@
             </a:pPr>
             <a:r>
               <a:rPr lang="pt-BR" dirty="0"/>
-              <a:t>Rotas </a:t>
-            </a:r>
-            <a:r>
-              <a:rPr lang="pt-BR" dirty="0" smtClean="0"/>
-              <a:t>Adaptativas</a:t>
-            </a:r>
-            <a:endParaRPr lang="pt-BR" dirty="0" smtClean="0"/>
+              <a:t>Rotas Adaptativas</a:t>
+            </a:r>
           </a:p>
           <a:p>
             <a:pPr marL="285750" indent="-285750">
@@ -4103,10 +4063,9 @@
           <a:lstStyle/>
           <a:p>
             <a:r>
-              <a:rPr lang="pt-BR" dirty="0" smtClean="0"/>
+              <a:rPr lang="pt-BR" dirty="0"/>
               <a:t>Conexão LAN</a:t>
             </a:r>
-            <a:endParaRPr lang="pt-BR" dirty="0"/>
           </a:p>
         </p:txBody>
       </p:sp>
